--- a/Cyril/Diapositives/Présentation.pptx
+++ b/Cyril/Diapositives/Présentation.pptx
@@ -3642,7 +3642,7 @@
             <a:fld id="{B61BEF0D-F0BB-DE4B-95CE-6DB70DBA9567}" type="datetimeFigureOut">
               <a:rPr lang="en-US" dirty="0"/>
               <a:pPr/>
-              <a:t>1/31/2020</a:t>
+              <a:t>3/3/2020</a:t>
             </a:fld>
             <a:endParaRPr lang="en-US" dirty="0"/>
           </a:p>
@@ -3890,7 +3890,7 @@
             <a:fld id="{B61BEF0D-F0BB-DE4B-95CE-6DB70DBA9567}" type="datetimeFigureOut">
               <a:rPr lang="en-US" dirty="0"/>
               <a:pPr/>
-              <a:t>1/31/2020</a:t>
+              <a:t>3/3/2020</a:t>
             </a:fld>
             <a:endParaRPr lang="en-US" dirty="0"/>
           </a:p>
@@ -4201,7 +4201,7 @@
             <a:fld id="{B61BEF0D-F0BB-DE4B-95CE-6DB70DBA9567}" type="datetimeFigureOut">
               <a:rPr lang="en-US" dirty="0"/>
               <a:pPr/>
-              <a:t>1/31/2020</a:t>
+              <a:t>3/3/2020</a:t>
             </a:fld>
             <a:endParaRPr lang="en-US" dirty="0"/>
           </a:p>
@@ -4539,7 +4539,7 @@
             <a:fld id="{B61BEF0D-F0BB-DE4B-95CE-6DB70DBA9567}" type="datetimeFigureOut">
               <a:rPr lang="en-US" dirty="0"/>
               <a:pPr/>
-              <a:t>1/31/2020</a:t>
+              <a:t>3/3/2020</a:t>
             </a:fld>
             <a:endParaRPr lang="en-US" dirty="0"/>
           </a:p>
@@ -4850,7 +4850,7 @@
             <a:fld id="{B61BEF0D-F0BB-DE4B-95CE-6DB70DBA9567}" type="datetimeFigureOut">
               <a:rPr lang="en-US" dirty="0"/>
               <a:pPr/>
-              <a:t>1/31/2020</a:t>
+              <a:t>3/3/2020</a:t>
             </a:fld>
             <a:endParaRPr lang="en-US" dirty="0"/>
           </a:p>
@@ -5240,7 +5240,7 @@
             <a:fld id="{B61BEF0D-F0BB-DE4B-95CE-6DB70DBA9567}" type="datetimeFigureOut">
               <a:rPr lang="en-US" dirty="0"/>
               <a:pPr/>
-              <a:t>1/31/2020</a:t>
+              <a:t>3/3/2020</a:t>
             </a:fld>
             <a:endParaRPr lang="en-US" dirty="0"/>
           </a:p>
@@ -5406,7 +5406,7 @@
           <a:p>
             <a:fld id="{55C6B4A9-1611-4792-9094-5F34BCA07E0B}" type="datetimeFigureOut">
               <a:rPr lang="en-US" dirty="0"/>
-              <a:t>1/31/2020</a:t>
+              <a:t>3/3/2020</a:t>
             </a:fld>
             <a:endParaRPr lang="en-US" dirty="0"/>
           </a:p>
@@ -5582,7 +5582,7 @@
             <a:fld id="{B61BEF0D-F0BB-DE4B-95CE-6DB70DBA9567}" type="datetimeFigureOut">
               <a:rPr lang="en-US" dirty="0"/>
               <a:pPr/>
-              <a:t>1/31/2020</a:t>
+              <a:t>3/3/2020</a:t>
             </a:fld>
             <a:endParaRPr lang="en-US" dirty="0"/>
           </a:p>
@@ -5755,7 +5755,7 @@
             <a:fld id="{B61BEF0D-F0BB-DE4B-95CE-6DB70DBA9567}" type="datetimeFigureOut">
               <a:rPr lang="en-US" dirty="0"/>
               <a:pPr/>
-              <a:t>1/31/2020</a:t>
+              <a:t>3/3/2020</a:t>
             </a:fld>
             <a:endParaRPr lang="en-US" dirty="0"/>
           </a:p>
@@ -5999,7 +5999,7 @@
             <a:fld id="{B61BEF0D-F0BB-DE4B-95CE-6DB70DBA9567}" type="datetimeFigureOut">
               <a:rPr lang="en-US" dirty="0"/>
               <a:pPr/>
-              <a:t>1/31/2020</a:t>
+              <a:t>3/3/2020</a:t>
             </a:fld>
             <a:endParaRPr lang="en-US" dirty="0"/>
           </a:p>
@@ -6227,7 +6227,7 @@
           <a:p>
             <a:fld id="{EB712588-04B1-427B-82EE-E8DB90309F08}" type="datetimeFigureOut">
               <a:rPr lang="en-US" dirty="0"/>
-              <a:t>1/31/2020</a:t>
+              <a:t>3/3/2020</a:t>
             </a:fld>
             <a:endParaRPr lang="en-US" dirty="0"/>
           </a:p>
@@ -6597,7 +6597,7 @@
             <a:fld id="{B61BEF0D-F0BB-DE4B-95CE-6DB70DBA9567}" type="datetimeFigureOut">
               <a:rPr lang="en-US" dirty="0"/>
               <a:pPr/>
-              <a:t>1/31/2020</a:t>
+              <a:t>3/3/2020</a:t>
             </a:fld>
             <a:endParaRPr lang="en-US" dirty="0"/>
           </a:p>
@@ -6717,7 +6717,7 @@
             <a:fld id="{B61BEF0D-F0BB-DE4B-95CE-6DB70DBA9567}" type="datetimeFigureOut">
               <a:rPr lang="en-US" dirty="0"/>
               <a:pPr/>
-              <a:t>1/31/2020</a:t>
+              <a:t>3/3/2020</a:t>
             </a:fld>
             <a:endParaRPr lang="en-US" dirty="0"/>
           </a:p>
@@ -6809,7 +6809,7 @@
             <a:fld id="{B61BEF0D-F0BB-DE4B-95CE-6DB70DBA9567}" type="datetimeFigureOut">
               <a:rPr lang="en-US" dirty="0"/>
               <a:pPr/>
-              <a:t>1/31/2020</a:t>
+              <a:t>3/3/2020</a:t>
             </a:fld>
             <a:endParaRPr lang="en-US" dirty="0"/>
           </a:p>
@@ -7060,7 +7060,7 @@
           <a:p>
             <a:fld id="{42A54C80-263E-416B-A8E0-580EDEADCBDC}" type="datetimeFigureOut">
               <a:rPr lang="en-US" dirty="0"/>
-              <a:t>1/31/2020</a:t>
+              <a:t>3/3/2020</a:t>
             </a:fld>
             <a:endParaRPr lang="en-US" dirty="0"/>
           </a:p>
@@ -7319,7 +7319,7 @@
             <a:fld id="{B61BEF0D-F0BB-DE4B-95CE-6DB70DBA9567}" type="datetimeFigureOut">
               <a:rPr lang="en-US" dirty="0"/>
               <a:pPr/>
-              <a:t>1/31/2020</a:t>
+              <a:t>3/3/2020</a:t>
             </a:fld>
             <a:endParaRPr lang="en-US" dirty="0"/>
           </a:p>
@@ -8059,7 +8059,7 @@
             <a:fld id="{B61BEF0D-F0BB-DE4B-95CE-6DB70DBA9567}" type="datetimeFigureOut">
               <a:rPr lang="en-US" dirty="0"/>
               <a:pPr/>
-              <a:t>1/31/2020</a:t>
+              <a:t>3/3/2020</a:t>
             </a:fld>
             <a:endParaRPr lang="en-US" dirty="0"/>
           </a:p>
@@ -10506,8 +10506,8 @@
         </p:nvSpPr>
         <p:spPr>
           <a:xfrm>
-            <a:off x="588124" y="1930400"/>
-            <a:ext cx="4664100" cy="4526156"/>
+            <a:off x="676656" y="1930400"/>
+            <a:ext cx="4575568" cy="4526156"/>
           </a:xfrm>
           <a:prstGeom prst="rect">
             <a:avLst/>
